--- a/0 - Entwürfe/Skalierbare Datenanalyse mit Apache Spark.pptx
+++ b/0 - Entwürfe/Skalierbare Datenanalyse mit Apache Spark.pptx
@@ -10,6 +10,9 @@
     <p:sldId id="259" r:id="rId4"/>
     <p:sldId id="260" r:id="rId5"/>
     <p:sldId id="261" r:id="rId6"/>
+    <p:sldId id="262" r:id="rId7"/>
+    <p:sldId id="263" r:id="rId8"/>
+    <p:sldId id="264" r:id="rId9"/>
   </p:sldIdLst>
   <p:sldSz cx="12192000" cy="6858000"/>
   <p:notesSz cx="6858000" cy="9144000"/>
@@ -108,6 +111,11 @@
       </a:defRPr>
     </a:lvl9pPr>
   </p:defaultTextStyle>
+  <p:extLst>
+    <p:ext uri="{EFAFB233-063F-42B5-8137-9DF3F51BA10A}">
+      <p15:sldGuideLst xmlns:p15="http://schemas.microsoft.com/office/powerpoint/2012/main"/>
+    </p:ext>
+  </p:extLst>
 </p:presentation>
 </file>
 
@@ -5734,10 +5742,2014 @@
           </a:fontRef>
         </p:style>
       </p:cxnSp>
+      <p:sp>
+        <p:nvSpPr>
+          <p:cNvPr id="24" name="TextBox 23"/>
+          <p:cNvSpPr txBox="1"/>
+          <p:nvPr/>
+        </p:nvSpPr>
+        <p:spPr>
+          <a:xfrm>
+            <a:off x="2418521" y="6440556"/>
+            <a:ext cx="7079502" cy="369332"/>
+          </a:xfrm>
+          <a:prstGeom prst="rect">
+            <a:avLst/>
+          </a:prstGeom>
+          <a:noFill/>
+        </p:spPr>
+        <p:txBody>
+          <a:bodyPr wrap="none" rtlCol="0">
+            <a:spAutoFit/>
+          </a:bodyPr>
+          <a:lstStyle/>
+          <a:p>
+            <a:r>
+              <a:rPr lang="de-DE" dirty="0" smtClean="0">
+                <a:solidFill>
+                  <a:schemeClr val="bg2">
+                    <a:lumMod val="90000"/>
+                  </a:schemeClr>
+                </a:solidFill>
+              </a:rPr>
+              <a:t>Motivation</a:t>
+            </a:r>
+            <a:r>
+              <a:rPr lang="de-DE" dirty="0" smtClean="0">
+                <a:solidFill>
+                  <a:schemeClr val="bg1"/>
+                </a:solidFill>
+              </a:rPr>
+              <a:t> </a:t>
+            </a:r>
+            <a:r>
+              <a:rPr lang="de-DE" dirty="0" smtClean="0">
+                <a:solidFill>
+                  <a:schemeClr val="bg2">
+                    <a:lumMod val="90000"/>
+                  </a:schemeClr>
+                </a:solidFill>
+              </a:rPr>
+              <a:t>| </a:t>
+            </a:r>
+            <a:r>
+              <a:rPr lang="de-DE" b="1" dirty="0" smtClean="0">
+                <a:solidFill>
+                  <a:schemeClr val="bg1"/>
+                </a:solidFill>
+              </a:rPr>
+              <a:t>Vorstellung</a:t>
+            </a:r>
+            <a:r>
+              <a:rPr lang="de-DE" dirty="0" smtClean="0">
+                <a:solidFill>
+                  <a:schemeClr val="bg1"/>
+                </a:solidFill>
+              </a:rPr>
+              <a:t> </a:t>
+            </a:r>
+            <a:r>
+              <a:rPr lang="de-DE" dirty="0" smtClean="0">
+                <a:solidFill>
+                  <a:schemeClr val="bg2">
+                    <a:lumMod val="90000"/>
+                  </a:schemeClr>
+                </a:solidFill>
+              </a:rPr>
+              <a:t>| Beispielanwendung | Betriebstest | Ergebnisse</a:t>
+            </a:r>
+            <a:endParaRPr lang="de-DE" dirty="0">
+              <a:solidFill>
+                <a:schemeClr val="bg2">
+                  <a:lumMod val="90000"/>
+                </a:schemeClr>
+              </a:solidFill>
+            </a:endParaRPr>
+          </a:p>
+        </p:txBody>
+      </p:sp>
     </p:spTree>
     <p:extLst>
       <p:ext uri="{BB962C8B-B14F-4D97-AF65-F5344CB8AC3E}">
         <p14:creationId xmlns:p14="http://schemas.microsoft.com/office/powerpoint/2010/main" val="763093188"/>
+      </p:ext>
+    </p:extLst>
+  </p:cSld>
+  <p:clrMapOvr>
+    <a:masterClrMapping/>
+  </p:clrMapOvr>
+</p:sld>
+</file>
+
+<file path=ppt/slides/slide6.xml><?xml version="1.0" encoding="utf-8"?>
+<p:sld xmlns:a="http://schemas.openxmlformats.org/drawingml/2006/main" xmlns:r="http://schemas.openxmlformats.org/officeDocument/2006/relationships" xmlns:p="http://schemas.openxmlformats.org/presentationml/2006/main">
+  <p:cSld>
+    <p:spTree>
+      <p:nvGrpSpPr>
+        <p:cNvPr id="1" name=""/>
+        <p:cNvGrpSpPr/>
+        <p:nvPr/>
+      </p:nvGrpSpPr>
+      <p:grpSpPr>
+        <a:xfrm>
+          <a:off x="0" y="0"/>
+          <a:ext cx="0" cy="0"/>
+          <a:chOff x="0" y="0"/>
+          <a:chExt cx="0" cy="0"/>
+        </a:xfrm>
+      </p:grpSpPr>
+      <p:sp>
+        <p:nvSpPr>
+          <p:cNvPr id="7" name="Rectangle 6"/>
+          <p:cNvSpPr>
+            <a:spLocks noChangeAspect="1"/>
+          </p:cNvSpPr>
+          <p:nvPr/>
+        </p:nvSpPr>
+        <p:spPr>
+          <a:xfrm>
+            <a:off x="8768947" y="3348653"/>
+            <a:ext cx="2801962" cy="2348533"/>
+          </a:xfrm>
+          <a:prstGeom prst="rect">
+            <a:avLst/>
+          </a:prstGeom>
+          <a:solidFill>
+            <a:schemeClr val="bg1"/>
+          </a:solidFill>
+          <a:ln w="212725">
+            <a:solidFill>
+              <a:schemeClr val="bg1">
+                <a:lumMod val="75000"/>
+              </a:schemeClr>
+            </a:solidFill>
+          </a:ln>
+        </p:spPr>
+        <p:style>
+          <a:lnRef idx="2">
+            <a:schemeClr val="accent1">
+              <a:shade val="50000"/>
+            </a:schemeClr>
+          </a:lnRef>
+          <a:fillRef idx="1">
+            <a:schemeClr val="accent1"/>
+          </a:fillRef>
+          <a:effectRef idx="0">
+            <a:schemeClr val="accent1"/>
+          </a:effectRef>
+          <a:fontRef idx="minor">
+            <a:schemeClr val="lt1"/>
+          </a:fontRef>
+        </p:style>
+        <p:txBody>
+          <a:bodyPr rtlCol="0" anchor="ctr"/>
+          <a:lstStyle/>
+          <a:p>
+            <a:pPr algn="ctr"/>
+            <a:endParaRPr lang="de-DE"/>
+          </a:p>
+        </p:txBody>
+      </p:sp>
+      <p:sp>
+        <p:nvSpPr>
+          <p:cNvPr id="3" name="Rectangle 2"/>
+          <p:cNvSpPr>
+            <a:spLocks noChangeAspect="1"/>
+          </p:cNvSpPr>
+          <p:nvPr/>
+        </p:nvSpPr>
+        <p:spPr>
+          <a:xfrm>
+            <a:off x="998220" y="1447800"/>
+            <a:ext cx="10256520" cy="474165"/>
+          </a:xfrm>
+          <a:prstGeom prst="rect">
+            <a:avLst/>
+          </a:prstGeom>
+          <a:solidFill>
+            <a:schemeClr val="bg1"/>
+          </a:solidFill>
+          <a:ln>
+            <a:noFill/>
+          </a:ln>
+        </p:spPr>
+        <p:style>
+          <a:lnRef idx="2">
+            <a:schemeClr val="accent1">
+              <a:shade val="50000"/>
+            </a:schemeClr>
+          </a:lnRef>
+          <a:fillRef idx="1">
+            <a:schemeClr val="accent1"/>
+          </a:fillRef>
+          <a:effectRef idx="0">
+            <a:schemeClr val="accent1"/>
+          </a:effectRef>
+          <a:fontRef idx="minor">
+            <a:schemeClr val="lt1"/>
+          </a:fontRef>
+        </p:style>
+        <p:txBody>
+          <a:bodyPr rtlCol="0" anchor="ctr"/>
+          <a:lstStyle/>
+          <a:p>
+            <a:pPr algn="ctr"/>
+            <a:endParaRPr lang="de-DE"/>
+          </a:p>
+        </p:txBody>
+      </p:sp>
+      <p:sp>
+        <p:nvSpPr>
+          <p:cNvPr id="4" name="Rectangle 3"/>
+          <p:cNvSpPr>
+            <a:spLocks noChangeAspect="1"/>
+          </p:cNvSpPr>
+          <p:nvPr/>
+        </p:nvSpPr>
+        <p:spPr>
+          <a:xfrm>
+            <a:off x="8452778" y="3687833"/>
+            <a:ext cx="2801962" cy="2348533"/>
+          </a:xfrm>
+          <a:prstGeom prst="rect">
+            <a:avLst/>
+          </a:prstGeom>
+          <a:solidFill>
+            <a:schemeClr val="bg1"/>
+          </a:solidFill>
+          <a:ln w="212725">
+            <a:solidFill>
+              <a:schemeClr val="bg1">
+                <a:lumMod val="75000"/>
+              </a:schemeClr>
+            </a:solidFill>
+          </a:ln>
+        </p:spPr>
+        <p:style>
+          <a:lnRef idx="2">
+            <a:schemeClr val="accent1">
+              <a:shade val="50000"/>
+            </a:schemeClr>
+          </a:lnRef>
+          <a:fillRef idx="1">
+            <a:schemeClr val="accent1"/>
+          </a:fillRef>
+          <a:effectRef idx="0">
+            <a:schemeClr val="accent1"/>
+          </a:effectRef>
+          <a:fontRef idx="minor">
+            <a:schemeClr val="lt1"/>
+          </a:fontRef>
+        </p:style>
+        <p:txBody>
+          <a:bodyPr rtlCol="0" anchor="ctr"/>
+          <a:lstStyle/>
+          <a:p>
+            <a:pPr algn="ctr"/>
+            <a:endParaRPr lang="de-DE"/>
+          </a:p>
+        </p:txBody>
+      </p:sp>
+      <p:sp>
+        <p:nvSpPr>
+          <p:cNvPr id="5" name="Rectangle 4"/>
+          <p:cNvSpPr>
+            <a:spLocks noChangeAspect="1"/>
+          </p:cNvSpPr>
+          <p:nvPr/>
+        </p:nvSpPr>
+        <p:spPr>
+          <a:xfrm>
+            <a:off x="8768947" y="4006188"/>
+            <a:ext cx="2169624" cy="675909"/>
+          </a:xfrm>
+          <a:prstGeom prst="rect">
+            <a:avLst/>
+          </a:prstGeom>
+          <a:solidFill>
+            <a:schemeClr val="bg1"/>
+          </a:solidFill>
+          <a:ln w="212725">
+            <a:solidFill>
+              <a:schemeClr val="accent2"/>
+            </a:solidFill>
+          </a:ln>
+        </p:spPr>
+        <p:style>
+          <a:lnRef idx="2">
+            <a:schemeClr val="accent1">
+              <a:shade val="50000"/>
+            </a:schemeClr>
+          </a:lnRef>
+          <a:fillRef idx="1">
+            <a:schemeClr val="accent1"/>
+          </a:fillRef>
+          <a:effectRef idx="0">
+            <a:schemeClr val="accent1"/>
+          </a:effectRef>
+          <a:fontRef idx="minor">
+            <a:schemeClr val="lt1"/>
+          </a:fontRef>
+        </p:style>
+        <p:txBody>
+          <a:bodyPr rtlCol="0" anchor="ctr"/>
+          <a:lstStyle/>
+          <a:p>
+            <a:pPr algn="ctr"/>
+            <a:r>
+              <a:rPr lang="de-DE" sz="2400" b="1" dirty="0" err="1" smtClean="0">
+                <a:solidFill>
+                  <a:schemeClr val="tx1"/>
+                </a:solidFill>
+              </a:rPr>
+              <a:t>Executor</a:t>
+            </a:r>
+            <a:endParaRPr lang="de-DE" sz="2400" dirty="0"/>
+          </a:p>
+        </p:txBody>
+      </p:sp>
+      <p:sp>
+        <p:nvSpPr>
+          <p:cNvPr id="6" name="Rectangle 5"/>
+          <p:cNvSpPr>
+            <a:spLocks noChangeAspect="1"/>
+          </p:cNvSpPr>
+          <p:nvPr/>
+        </p:nvSpPr>
+        <p:spPr>
+          <a:xfrm>
+            <a:off x="8768947" y="5021277"/>
+            <a:ext cx="2169624" cy="675909"/>
+          </a:xfrm>
+          <a:prstGeom prst="rect">
+            <a:avLst/>
+          </a:prstGeom>
+          <a:solidFill>
+            <a:schemeClr val="bg1"/>
+          </a:solidFill>
+          <a:ln w="212725">
+            <a:solidFill>
+              <a:schemeClr val="accent2"/>
+            </a:solidFill>
+          </a:ln>
+        </p:spPr>
+        <p:style>
+          <a:lnRef idx="2">
+            <a:schemeClr val="accent1">
+              <a:shade val="50000"/>
+            </a:schemeClr>
+          </a:lnRef>
+          <a:fillRef idx="1">
+            <a:schemeClr val="accent1"/>
+          </a:fillRef>
+          <a:effectRef idx="0">
+            <a:schemeClr val="accent1"/>
+          </a:effectRef>
+          <a:fontRef idx="minor">
+            <a:schemeClr val="lt1"/>
+          </a:fontRef>
+        </p:style>
+        <p:txBody>
+          <a:bodyPr rtlCol="0" anchor="ctr"/>
+          <a:lstStyle/>
+          <a:p>
+            <a:pPr algn="ctr"/>
+            <a:r>
+              <a:rPr lang="de-DE" sz="2400" b="1" dirty="0" smtClean="0">
+                <a:solidFill>
+                  <a:schemeClr val="tx1"/>
+                </a:solidFill>
+              </a:rPr>
+              <a:t>Worker</a:t>
+            </a:r>
+            <a:endParaRPr lang="de-DE" sz="2400" dirty="0"/>
+          </a:p>
+        </p:txBody>
+      </p:sp>
+      <p:sp>
+        <p:nvSpPr>
+          <p:cNvPr id="8" name="Rectangle 7"/>
+          <p:cNvSpPr>
+            <a:spLocks noChangeAspect="1"/>
+          </p:cNvSpPr>
+          <p:nvPr/>
+        </p:nvSpPr>
+        <p:spPr>
+          <a:xfrm>
+            <a:off x="573035" y="3687833"/>
+            <a:ext cx="2801962" cy="2348533"/>
+          </a:xfrm>
+          <a:prstGeom prst="rect">
+            <a:avLst/>
+          </a:prstGeom>
+          <a:solidFill>
+            <a:schemeClr val="bg1"/>
+          </a:solidFill>
+          <a:ln w="212725">
+            <a:solidFill>
+              <a:schemeClr val="bg1">
+                <a:lumMod val="75000"/>
+              </a:schemeClr>
+            </a:solidFill>
+          </a:ln>
+        </p:spPr>
+        <p:style>
+          <a:lnRef idx="2">
+            <a:schemeClr val="accent1">
+              <a:shade val="50000"/>
+            </a:schemeClr>
+          </a:lnRef>
+          <a:fillRef idx="1">
+            <a:schemeClr val="accent1"/>
+          </a:fillRef>
+          <a:effectRef idx="0">
+            <a:schemeClr val="accent1"/>
+          </a:effectRef>
+          <a:fontRef idx="minor">
+            <a:schemeClr val="lt1"/>
+          </a:fontRef>
+        </p:style>
+        <p:txBody>
+          <a:bodyPr rtlCol="0" anchor="ctr"/>
+          <a:lstStyle/>
+          <a:p>
+            <a:pPr algn="ctr"/>
+            <a:endParaRPr lang="de-DE"/>
+          </a:p>
+        </p:txBody>
+      </p:sp>
+      <p:sp>
+        <p:nvSpPr>
+          <p:cNvPr id="9" name="Rectangle 8"/>
+          <p:cNvSpPr>
+            <a:spLocks noChangeAspect="1"/>
+          </p:cNvSpPr>
+          <p:nvPr/>
+        </p:nvSpPr>
+        <p:spPr>
+          <a:xfrm>
+            <a:off x="889204" y="4006188"/>
+            <a:ext cx="2169624" cy="1690997"/>
+          </a:xfrm>
+          <a:prstGeom prst="rect">
+            <a:avLst/>
+          </a:prstGeom>
+          <a:solidFill>
+            <a:schemeClr val="bg1"/>
+          </a:solidFill>
+          <a:ln w="212725">
+            <a:solidFill>
+              <a:schemeClr val="accent2"/>
+            </a:solidFill>
+          </a:ln>
+        </p:spPr>
+        <p:style>
+          <a:lnRef idx="2">
+            <a:schemeClr val="accent1">
+              <a:shade val="50000"/>
+            </a:schemeClr>
+          </a:lnRef>
+          <a:fillRef idx="1">
+            <a:schemeClr val="accent1"/>
+          </a:fillRef>
+          <a:effectRef idx="0">
+            <a:schemeClr val="accent1"/>
+          </a:effectRef>
+          <a:fontRef idx="minor">
+            <a:schemeClr val="lt1"/>
+          </a:fontRef>
+        </p:style>
+        <p:txBody>
+          <a:bodyPr rtlCol="0" anchor="ctr"/>
+          <a:lstStyle/>
+          <a:p>
+            <a:pPr algn="ctr"/>
+            <a:r>
+              <a:rPr lang="de-DE" sz="2400" b="1" dirty="0" smtClean="0">
+                <a:solidFill>
+                  <a:schemeClr val="tx1"/>
+                </a:solidFill>
+              </a:rPr>
+              <a:t>Cluster</a:t>
+            </a:r>
+          </a:p>
+          <a:p>
+            <a:pPr algn="ctr"/>
+            <a:r>
+              <a:rPr lang="de-DE" sz="2400" b="1" dirty="0" smtClean="0">
+                <a:solidFill>
+                  <a:schemeClr val="tx1"/>
+                </a:solidFill>
+              </a:rPr>
+              <a:t>Manager</a:t>
+            </a:r>
+            <a:endParaRPr lang="de-DE" sz="2400" dirty="0"/>
+          </a:p>
+        </p:txBody>
+      </p:sp>
+      <p:sp>
+        <p:nvSpPr>
+          <p:cNvPr id="10" name="Rectangle 9"/>
+          <p:cNvSpPr>
+            <a:spLocks noChangeAspect="1"/>
+          </p:cNvSpPr>
+          <p:nvPr/>
+        </p:nvSpPr>
+        <p:spPr>
+          <a:xfrm>
+            <a:off x="4519864" y="395405"/>
+            <a:ext cx="2801962" cy="2348533"/>
+          </a:xfrm>
+          <a:prstGeom prst="rect">
+            <a:avLst/>
+          </a:prstGeom>
+          <a:solidFill>
+            <a:schemeClr val="bg1"/>
+          </a:solidFill>
+          <a:ln w="212725">
+            <a:solidFill>
+              <a:schemeClr val="bg1">
+                <a:lumMod val="75000"/>
+              </a:schemeClr>
+            </a:solidFill>
+          </a:ln>
+        </p:spPr>
+        <p:style>
+          <a:lnRef idx="2">
+            <a:schemeClr val="accent1">
+              <a:shade val="50000"/>
+            </a:schemeClr>
+          </a:lnRef>
+          <a:fillRef idx="1">
+            <a:schemeClr val="accent1"/>
+          </a:fillRef>
+          <a:effectRef idx="0">
+            <a:schemeClr val="accent1"/>
+          </a:effectRef>
+          <a:fontRef idx="minor">
+            <a:schemeClr val="lt1"/>
+          </a:fontRef>
+        </p:style>
+        <p:txBody>
+          <a:bodyPr rtlCol="0" anchor="ctr"/>
+          <a:lstStyle/>
+          <a:p>
+            <a:pPr algn="ctr"/>
+            <a:endParaRPr lang="de-DE"/>
+          </a:p>
+        </p:txBody>
+      </p:sp>
+      <p:sp>
+        <p:nvSpPr>
+          <p:cNvPr id="11" name="Rectangle 10"/>
+          <p:cNvSpPr>
+            <a:spLocks noChangeAspect="1"/>
+          </p:cNvSpPr>
+          <p:nvPr/>
+        </p:nvSpPr>
+        <p:spPr>
+          <a:xfrm>
+            <a:off x="4836033" y="1704657"/>
+            <a:ext cx="2169624" cy="697809"/>
+          </a:xfrm>
+          <a:prstGeom prst="rect">
+            <a:avLst/>
+          </a:prstGeom>
+          <a:solidFill>
+            <a:schemeClr val="bg1"/>
+          </a:solidFill>
+          <a:ln w="212725">
+            <a:solidFill>
+              <a:schemeClr val="accent2"/>
+            </a:solidFill>
+          </a:ln>
+        </p:spPr>
+        <p:style>
+          <a:lnRef idx="2">
+            <a:schemeClr val="accent1">
+              <a:shade val="50000"/>
+            </a:schemeClr>
+          </a:lnRef>
+          <a:fillRef idx="1">
+            <a:schemeClr val="accent1"/>
+          </a:fillRef>
+          <a:effectRef idx="0">
+            <a:schemeClr val="accent1"/>
+          </a:effectRef>
+          <a:fontRef idx="minor">
+            <a:schemeClr val="lt1"/>
+          </a:fontRef>
+        </p:style>
+        <p:txBody>
+          <a:bodyPr rtlCol="0" anchor="ctr"/>
+          <a:lstStyle/>
+          <a:p>
+            <a:pPr algn="ctr"/>
+            <a:r>
+              <a:rPr lang="de-DE" sz="2400" b="1" dirty="0" smtClean="0">
+                <a:solidFill>
+                  <a:schemeClr val="tx1"/>
+                </a:solidFill>
+              </a:rPr>
+              <a:t>Spark </a:t>
+            </a:r>
+            <a:r>
+              <a:rPr lang="de-DE" sz="2400" b="1" dirty="0" err="1" smtClean="0">
+                <a:solidFill>
+                  <a:schemeClr val="tx1"/>
+                </a:solidFill>
+              </a:rPr>
+              <a:t>Context</a:t>
+            </a:r>
+            <a:endParaRPr lang="de-DE" sz="2400" dirty="0"/>
+          </a:p>
+        </p:txBody>
+      </p:sp>
+      <p:sp>
+        <p:nvSpPr>
+          <p:cNvPr id="12" name="Rectangle 11"/>
+          <p:cNvSpPr>
+            <a:spLocks noChangeAspect="1"/>
+          </p:cNvSpPr>
+          <p:nvPr/>
+        </p:nvSpPr>
+        <p:spPr>
+          <a:xfrm>
+            <a:off x="4836033" y="676819"/>
+            <a:ext cx="2169624" cy="710022"/>
+          </a:xfrm>
+          <a:prstGeom prst="rect">
+            <a:avLst/>
+          </a:prstGeom>
+          <a:solidFill>
+            <a:schemeClr val="bg1"/>
+          </a:solidFill>
+          <a:ln w="212725">
+            <a:solidFill>
+              <a:srgbClr val="C00000"/>
+            </a:solidFill>
+          </a:ln>
+        </p:spPr>
+        <p:style>
+          <a:lnRef idx="2">
+            <a:schemeClr val="accent1">
+              <a:shade val="50000"/>
+            </a:schemeClr>
+          </a:lnRef>
+          <a:fillRef idx="1">
+            <a:schemeClr val="accent1"/>
+          </a:fillRef>
+          <a:effectRef idx="0">
+            <a:schemeClr val="accent1"/>
+          </a:effectRef>
+          <a:fontRef idx="minor">
+            <a:schemeClr val="lt1"/>
+          </a:fontRef>
+        </p:style>
+        <p:txBody>
+          <a:bodyPr rtlCol="0" anchor="ctr"/>
+          <a:lstStyle/>
+          <a:p>
+            <a:pPr algn="ctr"/>
+            <a:r>
+              <a:rPr lang="de-DE" sz="2400" b="1" dirty="0" smtClean="0">
+                <a:solidFill>
+                  <a:schemeClr val="tx1"/>
+                </a:solidFill>
+              </a:rPr>
+              <a:t>Treiber</a:t>
+            </a:r>
+            <a:endParaRPr lang="de-DE" sz="2400" dirty="0"/>
+          </a:p>
+        </p:txBody>
+      </p:sp>
+    </p:spTree>
+    <p:extLst>
+      <p:ext uri="{BB962C8B-B14F-4D97-AF65-F5344CB8AC3E}">
+        <p14:creationId xmlns:p14="http://schemas.microsoft.com/office/powerpoint/2010/main" val="3534443615"/>
+      </p:ext>
+    </p:extLst>
+  </p:cSld>
+  <p:clrMapOvr>
+    <a:masterClrMapping/>
+  </p:clrMapOvr>
+</p:sld>
+</file>
+
+<file path=ppt/slides/slide7.xml><?xml version="1.0" encoding="utf-8"?>
+<p:sld xmlns:a="http://schemas.openxmlformats.org/drawingml/2006/main" xmlns:r="http://schemas.openxmlformats.org/officeDocument/2006/relationships" xmlns:p="http://schemas.openxmlformats.org/presentationml/2006/main">
+  <p:cSld>
+    <p:spTree>
+      <p:nvGrpSpPr>
+        <p:cNvPr id="1" name=""/>
+        <p:cNvGrpSpPr/>
+        <p:nvPr/>
+      </p:nvGrpSpPr>
+      <p:grpSpPr>
+        <a:xfrm>
+          <a:off x="0" y="0"/>
+          <a:ext cx="0" cy="0"/>
+          <a:chOff x="0" y="0"/>
+          <a:chExt cx="0" cy="0"/>
+        </a:xfrm>
+      </p:grpSpPr>
+      <p:sp>
+        <p:nvSpPr>
+          <p:cNvPr id="2" name="Title 1"/>
+          <p:cNvSpPr>
+            <a:spLocks noGrp="1"/>
+          </p:cNvSpPr>
+          <p:nvPr>
+            <p:ph type="title"/>
+          </p:nvPr>
+        </p:nvSpPr>
+        <p:spPr/>
+        <p:txBody>
+          <a:bodyPr/>
+          <a:lstStyle/>
+          <a:p>
+            <a:r>
+              <a:rPr lang="de-DE" dirty="0" smtClean="0"/>
+              <a:t>Beispielanwendung</a:t>
+            </a:r>
+            <a:endParaRPr lang="de-DE" dirty="0"/>
+          </a:p>
+        </p:txBody>
+      </p:sp>
+    </p:spTree>
+    <p:extLst>
+      <p:ext uri="{BB962C8B-B14F-4D97-AF65-F5344CB8AC3E}">
+        <p14:creationId xmlns:p14="http://schemas.microsoft.com/office/powerpoint/2010/main" val="2762709562"/>
+      </p:ext>
+    </p:extLst>
+  </p:cSld>
+  <p:clrMapOvr>
+    <a:masterClrMapping/>
+  </p:clrMapOvr>
+</p:sld>
+</file>
+
+<file path=ppt/slides/slide8.xml><?xml version="1.0" encoding="utf-8"?>
+<p:sld xmlns:a="http://schemas.openxmlformats.org/drawingml/2006/main" xmlns:r="http://schemas.openxmlformats.org/officeDocument/2006/relationships" xmlns:p="http://schemas.openxmlformats.org/presentationml/2006/main">
+  <p:cSld>
+    <p:spTree>
+      <p:nvGrpSpPr>
+        <p:cNvPr id="1" name=""/>
+        <p:cNvGrpSpPr/>
+        <p:nvPr/>
+      </p:nvGrpSpPr>
+      <p:grpSpPr>
+        <a:xfrm>
+          <a:off x="0" y="0"/>
+          <a:ext cx="0" cy="0"/>
+          <a:chOff x="0" y="0"/>
+          <a:chExt cx="0" cy="0"/>
+        </a:xfrm>
+      </p:grpSpPr>
+      <p:sp>
+        <p:nvSpPr>
+          <p:cNvPr id="3" name="Rectangle 2"/>
+          <p:cNvSpPr>
+            <a:spLocks noChangeAspect="1"/>
+          </p:cNvSpPr>
+          <p:nvPr/>
+        </p:nvSpPr>
+        <p:spPr>
+          <a:xfrm>
+            <a:off x="998220" y="1447800"/>
+            <a:ext cx="10256520" cy="474165"/>
+          </a:xfrm>
+          <a:prstGeom prst="rect">
+            <a:avLst/>
+          </a:prstGeom>
+          <a:solidFill>
+            <a:schemeClr val="bg1"/>
+          </a:solidFill>
+          <a:ln>
+            <a:noFill/>
+          </a:ln>
+        </p:spPr>
+        <p:style>
+          <a:lnRef idx="2">
+            <a:schemeClr val="accent1">
+              <a:shade val="50000"/>
+            </a:schemeClr>
+          </a:lnRef>
+          <a:fillRef idx="1">
+            <a:schemeClr val="accent1"/>
+          </a:fillRef>
+          <a:effectRef idx="0">
+            <a:schemeClr val="accent1"/>
+          </a:effectRef>
+          <a:fontRef idx="minor">
+            <a:schemeClr val="lt1"/>
+          </a:fontRef>
+        </p:style>
+        <p:txBody>
+          <a:bodyPr rtlCol="0" anchor="ctr"/>
+          <a:lstStyle/>
+          <a:p>
+            <a:pPr algn="ctr"/>
+            <a:endParaRPr lang="de-DE"/>
+          </a:p>
+        </p:txBody>
+      </p:sp>
+      <p:sp>
+        <p:nvSpPr>
+          <p:cNvPr id="4" name="Rectangle 3"/>
+          <p:cNvSpPr>
+            <a:spLocks noChangeAspect="1"/>
+          </p:cNvSpPr>
+          <p:nvPr/>
+        </p:nvSpPr>
+        <p:spPr>
+          <a:xfrm>
+            <a:off x="779874" y="1790699"/>
+            <a:ext cx="2801962" cy="4259581"/>
+          </a:xfrm>
+          <a:prstGeom prst="rect">
+            <a:avLst/>
+          </a:prstGeom>
+          <a:solidFill>
+            <a:schemeClr val="bg1"/>
+          </a:solidFill>
+          <a:ln w="212725">
+            <a:solidFill>
+              <a:schemeClr val="bg1">
+                <a:lumMod val="65000"/>
+              </a:schemeClr>
+            </a:solidFill>
+          </a:ln>
+        </p:spPr>
+        <p:style>
+          <a:lnRef idx="2">
+            <a:schemeClr val="accent1">
+              <a:shade val="50000"/>
+            </a:schemeClr>
+          </a:lnRef>
+          <a:fillRef idx="1">
+            <a:schemeClr val="accent1"/>
+          </a:fillRef>
+          <a:effectRef idx="0">
+            <a:schemeClr val="accent1"/>
+          </a:effectRef>
+          <a:fontRef idx="minor">
+            <a:schemeClr val="lt1"/>
+          </a:fontRef>
+        </p:style>
+        <p:txBody>
+          <a:bodyPr rtlCol="0" anchor="ctr"/>
+          <a:lstStyle/>
+          <a:p>
+            <a:pPr algn="ctr"/>
+            <a:endParaRPr lang="de-DE"/>
+          </a:p>
+        </p:txBody>
+      </p:sp>
+      <p:cxnSp>
+        <p:nvCxnSpPr>
+          <p:cNvPr id="6" name="Straight Connector 5"/>
+          <p:cNvCxnSpPr/>
+          <p:nvPr/>
+        </p:nvCxnSpPr>
+        <p:spPr>
+          <a:xfrm>
+            <a:off x="1121239" y="2057400"/>
+            <a:ext cx="2095500" cy="0"/>
+          </a:xfrm>
+          <a:prstGeom prst="line">
+            <a:avLst/>
+          </a:prstGeom>
+          <a:ln w="88900">
+            <a:solidFill>
+              <a:schemeClr val="bg1">
+                <a:lumMod val="65000"/>
+              </a:schemeClr>
+            </a:solidFill>
+          </a:ln>
+        </p:spPr>
+        <p:style>
+          <a:lnRef idx="1">
+            <a:schemeClr val="accent1"/>
+          </a:lnRef>
+          <a:fillRef idx="0">
+            <a:schemeClr val="accent1"/>
+          </a:fillRef>
+          <a:effectRef idx="0">
+            <a:schemeClr val="accent1"/>
+          </a:effectRef>
+          <a:fontRef idx="minor">
+            <a:schemeClr val="tx1"/>
+          </a:fontRef>
+        </p:style>
+      </p:cxnSp>
+      <p:cxnSp>
+        <p:nvCxnSpPr>
+          <p:cNvPr id="7" name="Straight Connector 6"/>
+          <p:cNvCxnSpPr/>
+          <p:nvPr/>
+        </p:nvCxnSpPr>
+        <p:spPr>
+          <a:xfrm>
+            <a:off x="1121239" y="2232660"/>
+            <a:ext cx="2095500" cy="0"/>
+          </a:xfrm>
+          <a:prstGeom prst="line">
+            <a:avLst/>
+          </a:prstGeom>
+          <a:ln w="88900">
+            <a:solidFill>
+              <a:schemeClr val="bg1">
+                <a:lumMod val="65000"/>
+              </a:schemeClr>
+            </a:solidFill>
+          </a:ln>
+        </p:spPr>
+        <p:style>
+          <a:lnRef idx="1">
+            <a:schemeClr val="accent1"/>
+          </a:lnRef>
+          <a:fillRef idx="0">
+            <a:schemeClr val="accent1"/>
+          </a:fillRef>
+          <a:effectRef idx="0">
+            <a:schemeClr val="accent1"/>
+          </a:effectRef>
+          <a:fontRef idx="minor">
+            <a:schemeClr val="tx1"/>
+          </a:fontRef>
+        </p:style>
+      </p:cxnSp>
+      <p:cxnSp>
+        <p:nvCxnSpPr>
+          <p:cNvPr id="8" name="Straight Connector 7"/>
+          <p:cNvCxnSpPr/>
+          <p:nvPr/>
+        </p:nvCxnSpPr>
+        <p:spPr>
+          <a:xfrm>
+            <a:off x="1121239" y="2392680"/>
+            <a:ext cx="2095500" cy="0"/>
+          </a:xfrm>
+          <a:prstGeom prst="line">
+            <a:avLst/>
+          </a:prstGeom>
+          <a:ln w="88900">
+            <a:solidFill>
+              <a:schemeClr val="bg1">
+                <a:lumMod val="65000"/>
+              </a:schemeClr>
+            </a:solidFill>
+          </a:ln>
+        </p:spPr>
+        <p:style>
+          <a:lnRef idx="1">
+            <a:schemeClr val="accent1"/>
+          </a:lnRef>
+          <a:fillRef idx="0">
+            <a:schemeClr val="accent1"/>
+          </a:fillRef>
+          <a:effectRef idx="0">
+            <a:schemeClr val="accent1"/>
+          </a:effectRef>
+          <a:fontRef idx="minor">
+            <a:schemeClr val="tx1"/>
+          </a:fontRef>
+        </p:style>
+      </p:cxnSp>
+      <p:cxnSp>
+        <p:nvCxnSpPr>
+          <p:cNvPr id="9" name="Straight Connector 8"/>
+          <p:cNvCxnSpPr/>
+          <p:nvPr/>
+        </p:nvCxnSpPr>
+        <p:spPr>
+          <a:xfrm>
+            <a:off x="1121239" y="2545080"/>
+            <a:ext cx="2095500" cy="0"/>
+          </a:xfrm>
+          <a:prstGeom prst="line">
+            <a:avLst/>
+          </a:prstGeom>
+          <a:ln w="88900">
+            <a:solidFill>
+              <a:schemeClr val="bg1">
+                <a:lumMod val="65000"/>
+              </a:schemeClr>
+            </a:solidFill>
+          </a:ln>
+        </p:spPr>
+        <p:style>
+          <a:lnRef idx="1">
+            <a:schemeClr val="accent1"/>
+          </a:lnRef>
+          <a:fillRef idx="0">
+            <a:schemeClr val="accent1"/>
+          </a:fillRef>
+          <a:effectRef idx="0">
+            <a:schemeClr val="accent1"/>
+          </a:effectRef>
+          <a:fontRef idx="minor">
+            <a:schemeClr val="tx1"/>
+          </a:fontRef>
+        </p:style>
+      </p:cxnSp>
+      <p:cxnSp>
+        <p:nvCxnSpPr>
+          <p:cNvPr id="10" name="Straight Connector 9"/>
+          <p:cNvCxnSpPr/>
+          <p:nvPr/>
+        </p:nvCxnSpPr>
+        <p:spPr>
+          <a:xfrm>
+            <a:off x="1121239" y="2705100"/>
+            <a:ext cx="2095500" cy="0"/>
+          </a:xfrm>
+          <a:prstGeom prst="line">
+            <a:avLst/>
+          </a:prstGeom>
+          <a:ln w="88900">
+            <a:solidFill>
+              <a:schemeClr val="bg1">
+                <a:lumMod val="65000"/>
+              </a:schemeClr>
+            </a:solidFill>
+          </a:ln>
+        </p:spPr>
+        <p:style>
+          <a:lnRef idx="1">
+            <a:schemeClr val="accent1"/>
+          </a:lnRef>
+          <a:fillRef idx="0">
+            <a:schemeClr val="accent1"/>
+          </a:fillRef>
+          <a:effectRef idx="0">
+            <a:schemeClr val="accent1"/>
+          </a:effectRef>
+          <a:fontRef idx="minor">
+            <a:schemeClr val="tx1"/>
+          </a:fontRef>
+        </p:style>
+      </p:cxnSp>
+      <p:cxnSp>
+        <p:nvCxnSpPr>
+          <p:cNvPr id="11" name="Straight Connector 10"/>
+          <p:cNvCxnSpPr/>
+          <p:nvPr/>
+        </p:nvCxnSpPr>
+        <p:spPr>
+          <a:xfrm>
+            <a:off x="1121239" y="2857500"/>
+            <a:ext cx="2095500" cy="0"/>
+          </a:xfrm>
+          <a:prstGeom prst="line">
+            <a:avLst/>
+          </a:prstGeom>
+          <a:ln w="88900">
+            <a:solidFill>
+              <a:schemeClr val="bg1">
+                <a:lumMod val="65000"/>
+              </a:schemeClr>
+            </a:solidFill>
+          </a:ln>
+        </p:spPr>
+        <p:style>
+          <a:lnRef idx="1">
+            <a:schemeClr val="accent1"/>
+          </a:lnRef>
+          <a:fillRef idx="0">
+            <a:schemeClr val="accent1"/>
+          </a:fillRef>
+          <a:effectRef idx="0">
+            <a:schemeClr val="accent1"/>
+          </a:effectRef>
+          <a:fontRef idx="minor">
+            <a:schemeClr val="tx1"/>
+          </a:fontRef>
+        </p:style>
+      </p:cxnSp>
+      <p:cxnSp>
+        <p:nvCxnSpPr>
+          <p:cNvPr id="12" name="Straight Connector 11"/>
+          <p:cNvCxnSpPr/>
+          <p:nvPr/>
+        </p:nvCxnSpPr>
+        <p:spPr>
+          <a:xfrm>
+            <a:off x="1121239" y="3017520"/>
+            <a:ext cx="2095500" cy="0"/>
+          </a:xfrm>
+          <a:prstGeom prst="line">
+            <a:avLst/>
+          </a:prstGeom>
+          <a:ln w="88900">
+            <a:solidFill>
+              <a:schemeClr val="bg1">
+                <a:lumMod val="65000"/>
+              </a:schemeClr>
+            </a:solidFill>
+          </a:ln>
+        </p:spPr>
+        <p:style>
+          <a:lnRef idx="1">
+            <a:schemeClr val="accent1"/>
+          </a:lnRef>
+          <a:fillRef idx="0">
+            <a:schemeClr val="accent1"/>
+          </a:fillRef>
+          <a:effectRef idx="0">
+            <a:schemeClr val="accent1"/>
+          </a:effectRef>
+          <a:fontRef idx="minor">
+            <a:schemeClr val="tx1"/>
+          </a:fontRef>
+        </p:style>
+      </p:cxnSp>
+      <p:cxnSp>
+        <p:nvCxnSpPr>
+          <p:cNvPr id="13" name="Straight Connector 12"/>
+          <p:cNvCxnSpPr/>
+          <p:nvPr/>
+        </p:nvCxnSpPr>
+        <p:spPr>
+          <a:xfrm>
+            <a:off x="1121239" y="3192780"/>
+            <a:ext cx="2095500" cy="0"/>
+          </a:xfrm>
+          <a:prstGeom prst="line">
+            <a:avLst/>
+          </a:prstGeom>
+          <a:ln w="88900">
+            <a:solidFill>
+              <a:schemeClr val="bg1">
+                <a:lumMod val="65000"/>
+              </a:schemeClr>
+            </a:solidFill>
+          </a:ln>
+        </p:spPr>
+        <p:style>
+          <a:lnRef idx="1">
+            <a:schemeClr val="accent1"/>
+          </a:lnRef>
+          <a:fillRef idx="0">
+            <a:schemeClr val="accent1"/>
+          </a:fillRef>
+          <a:effectRef idx="0">
+            <a:schemeClr val="accent1"/>
+          </a:effectRef>
+          <a:fontRef idx="minor">
+            <a:schemeClr val="tx1"/>
+          </a:fontRef>
+        </p:style>
+      </p:cxnSp>
+      <p:cxnSp>
+        <p:nvCxnSpPr>
+          <p:cNvPr id="14" name="Straight Connector 13"/>
+          <p:cNvCxnSpPr/>
+          <p:nvPr/>
+        </p:nvCxnSpPr>
+        <p:spPr>
+          <a:xfrm>
+            <a:off x="1121239" y="3352800"/>
+            <a:ext cx="2095500" cy="0"/>
+          </a:xfrm>
+          <a:prstGeom prst="line">
+            <a:avLst/>
+          </a:prstGeom>
+          <a:ln w="88900">
+            <a:solidFill>
+              <a:schemeClr val="bg1">
+                <a:lumMod val="65000"/>
+              </a:schemeClr>
+            </a:solidFill>
+          </a:ln>
+        </p:spPr>
+        <p:style>
+          <a:lnRef idx="1">
+            <a:schemeClr val="accent1"/>
+          </a:lnRef>
+          <a:fillRef idx="0">
+            <a:schemeClr val="accent1"/>
+          </a:fillRef>
+          <a:effectRef idx="0">
+            <a:schemeClr val="accent1"/>
+          </a:effectRef>
+          <a:fontRef idx="minor">
+            <a:schemeClr val="tx1"/>
+          </a:fontRef>
+        </p:style>
+      </p:cxnSp>
+      <p:cxnSp>
+        <p:nvCxnSpPr>
+          <p:cNvPr id="15" name="Straight Connector 14"/>
+          <p:cNvCxnSpPr/>
+          <p:nvPr/>
+        </p:nvCxnSpPr>
+        <p:spPr>
+          <a:xfrm>
+            <a:off x="1121239" y="3505200"/>
+            <a:ext cx="2095500" cy="0"/>
+          </a:xfrm>
+          <a:prstGeom prst="line">
+            <a:avLst/>
+          </a:prstGeom>
+          <a:ln w="88900">
+            <a:solidFill>
+              <a:schemeClr val="bg1">
+                <a:lumMod val="65000"/>
+              </a:schemeClr>
+            </a:solidFill>
+          </a:ln>
+        </p:spPr>
+        <p:style>
+          <a:lnRef idx="1">
+            <a:schemeClr val="accent1"/>
+          </a:lnRef>
+          <a:fillRef idx="0">
+            <a:schemeClr val="accent1"/>
+          </a:fillRef>
+          <a:effectRef idx="0">
+            <a:schemeClr val="accent1"/>
+          </a:effectRef>
+          <a:fontRef idx="minor">
+            <a:schemeClr val="tx1"/>
+          </a:fontRef>
+        </p:style>
+      </p:cxnSp>
+      <p:cxnSp>
+        <p:nvCxnSpPr>
+          <p:cNvPr id="16" name="Straight Connector 15"/>
+          <p:cNvCxnSpPr/>
+          <p:nvPr/>
+        </p:nvCxnSpPr>
+        <p:spPr>
+          <a:xfrm>
+            <a:off x="1121239" y="3665220"/>
+            <a:ext cx="2095500" cy="0"/>
+          </a:xfrm>
+          <a:prstGeom prst="line">
+            <a:avLst/>
+          </a:prstGeom>
+          <a:ln w="88900">
+            <a:solidFill>
+              <a:schemeClr val="bg1">
+                <a:lumMod val="65000"/>
+              </a:schemeClr>
+            </a:solidFill>
+          </a:ln>
+        </p:spPr>
+        <p:style>
+          <a:lnRef idx="1">
+            <a:schemeClr val="accent1"/>
+          </a:lnRef>
+          <a:fillRef idx="0">
+            <a:schemeClr val="accent1"/>
+          </a:fillRef>
+          <a:effectRef idx="0">
+            <a:schemeClr val="accent1"/>
+          </a:effectRef>
+          <a:fontRef idx="minor">
+            <a:schemeClr val="tx1"/>
+          </a:fontRef>
+        </p:style>
+      </p:cxnSp>
+      <p:cxnSp>
+        <p:nvCxnSpPr>
+          <p:cNvPr id="17" name="Straight Connector 16"/>
+          <p:cNvCxnSpPr/>
+          <p:nvPr/>
+        </p:nvCxnSpPr>
+        <p:spPr>
+          <a:xfrm>
+            <a:off x="1121239" y="3817620"/>
+            <a:ext cx="2095500" cy="0"/>
+          </a:xfrm>
+          <a:prstGeom prst="line">
+            <a:avLst/>
+          </a:prstGeom>
+          <a:ln w="88900">
+            <a:solidFill>
+              <a:schemeClr val="bg1">
+                <a:lumMod val="65000"/>
+              </a:schemeClr>
+            </a:solidFill>
+          </a:ln>
+        </p:spPr>
+        <p:style>
+          <a:lnRef idx="1">
+            <a:schemeClr val="accent1"/>
+          </a:lnRef>
+          <a:fillRef idx="0">
+            <a:schemeClr val="accent1"/>
+          </a:fillRef>
+          <a:effectRef idx="0">
+            <a:schemeClr val="accent1"/>
+          </a:effectRef>
+          <a:fontRef idx="minor">
+            <a:schemeClr val="tx1"/>
+          </a:fontRef>
+        </p:style>
+      </p:cxnSp>
+      <p:cxnSp>
+        <p:nvCxnSpPr>
+          <p:cNvPr id="24" name="Straight Connector 23"/>
+          <p:cNvCxnSpPr/>
+          <p:nvPr/>
+        </p:nvCxnSpPr>
+        <p:spPr>
+          <a:xfrm>
+            <a:off x="1121239" y="3985260"/>
+            <a:ext cx="2095500" cy="0"/>
+          </a:xfrm>
+          <a:prstGeom prst="line">
+            <a:avLst/>
+          </a:prstGeom>
+          <a:ln w="88900">
+            <a:solidFill>
+              <a:schemeClr val="bg1">
+                <a:lumMod val="65000"/>
+              </a:schemeClr>
+            </a:solidFill>
+          </a:ln>
+        </p:spPr>
+        <p:style>
+          <a:lnRef idx="1">
+            <a:schemeClr val="accent1"/>
+          </a:lnRef>
+          <a:fillRef idx="0">
+            <a:schemeClr val="accent1"/>
+          </a:fillRef>
+          <a:effectRef idx="0">
+            <a:schemeClr val="accent1"/>
+          </a:effectRef>
+          <a:fontRef idx="minor">
+            <a:schemeClr val="tx1"/>
+          </a:fontRef>
+        </p:style>
+      </p:cxnSp>
+      <p:cxnSp>
+        <p:nvCxnSpPr>
+          <p:cNvPr id="25" name="Straight Connector 24"/>
+          <p:cNvCxnSpPr/>
+          <p:nvPr/>
+        </p:nvCxnSpPr>
+        <p:spPr>
+          <a:xfrm>
+            <a:off x="1121239" y="4160520"/>
+            <a:ext cx="2095500" cy="0"/>
+          </a:xfrm>
+          <a:prstGeom prst="line">
+            <a:avLst/>
+          </a:prstGeom>
+          <a:ln w="88900">
+            <a:solidFill>
+              <a:schemeClr val="bg1">
+                <a:lumMod val="65000"/>
+              </a:schemeClr>
+            </a:solidFill>
+          </a:ln>
+        </p:spPr>
+        <p:style>
+          <a:lnRef idx="1">
+            <a:schemeClr val="accent1"/>
+          </a:lnRef>
+          <a:fillRef idx="0">
+            <a:schemeClr val="accent1"/>
+          </a:fillRef>
+          <a:effectRef idx="0">
+            <a:schemeClr val="accent1"/>
+          </a:effectRef>
+          <a:fontRef idx="minor">
+            <a:schemeClr val="tx1"/>
+          </a:fontRef>
+        </p:style>
+      </p:cxnSp>
+      <p:cxnSp>
+        <p:nvCxnSpPr>
+          <p:cNvPr id="26" name="Straight Connector 25"/>
+          <p:cNvCxnSpPr/>
+          <p:nvPr/>
+        </p:nvCxnSpPr>
+        <p:spPr>
+          <a:xfrm>
+            <a:off x="1121239" y="4320540"/>
+            <a:ext cx="2095500" cy="0"/>
+          </a:xfrm>
+          <a:prstGeom prst="line">
+            <a:avLst/>
+          </a:prstGeom>
+          <a:ln w="88900">
+            <a:solidFill>
+              <a:schemeClr val="bg1">
+                <a:lumMod val="65000"/>
+              </a:schemeClr>
+            </a:solidFill>
+          </a:ln>
+        </p:spPr>
+        <p:style>
+          <a:lnRef idx="1">
+            <a:schemeClr val="accent1"/>
+          </a:lnRef>
+          <a:fillRef idx="0">
+            <a:schemeClr val="accent1"/>
+          </a:fillRef>
+          <a:effectRef idx="0">
+            <a:schemeClr val="accent1"/>
+          </a:effectRef>
+          <a:fontRef idx="minor">
+            <a:schemeClr val="tx1"/>
+          </a:fontRef>
+        </p:style>
+      </p:cxnSp>
+      <p:cxnSp>
+        <p:nvCxnSpPr>
+          <p:cNvPr id="27" name="Straight Connector 26"/>
+          <p:cNvCxnSpPr/>
+          <p:nvPr/>
+        </p:nvCxnSpPr>
+        <p:spPr>
+          <a:xfrm>
+            <a:off x="1121239" y="4472940"/>
+            <a:ext cx="2095500" cy="0"/>
+          </a:xfrm>
+          <a:prstGeom prst="line">
+            <a:avLst/>
+          </a:prstGeom>
+          <a:ln w="88900">
+            <a:solidFill>
+              <a:schemeClr val="bg1">
+                <a:lumMod val="65000"/>
+              </a:schemeClr>
+            </a:solidFill>
+          </a:ln>
+        </p:spPr>
+        <p:style>
+          <a:lnRef idx="1">
+            <a:schemeClr val="accent1"/>
+          </a:lnRef>
+          <a:fillRef idx="0">
+            <a:schemeClr val="accent1"/>
+          </a:fillRef>
+          <a:effectRef idx="0">
+            <a:schemeClr val="accent1"/>
+          </a:effectRef>
+          <a:fontRef idx="minor">
+            <a:schemeClr val="tx1"/>
+          </a:fontRef>
+        </p:style>
+      </p:cxnSp>
+      <p:cxnSp>
+        <p:nvCxnSpPr>
+          <p:cNvPr id="28" name="Straight Connector 27"/>
+          <p:cNvCxnSpPr/>
+          <p:nvPr/>
+        </p:nvCxnSpPr>
+        <p:spPr>
+          <a:xfrm>
+            <a:off x="1121239" y="4632960"/>
+            <a:ext cx="2095500" cy="0"/>
+          </a:xfrm>
+          <a:prstGeom prst="line">
+            <a:avLst/>
+          </a:prstGeom>
+          <a:ln w="88900">
+            <a:solidFill>
+              <a:schemeClr val="bg1">
+                <a:lumMod val="65000"/>
+              </a:schemeClr>
+            </a:solidFill>
+          </a:ln>
+        </p:spPr>
+        <p:style>
+          <a:lnRef idx="1">
+            <a:schemeClr val="accent1"/>
+          </a:lnRef>
+          <a:fillRef idx="0">
+            <a:schemeClr val="accent1"/>
+          </a:fillRef>
+          <a:effectRef idx="0">
+            <a:schemeClr val="accent1"/>
+          </a:effectRef>
+          <a:fontRef idx="minor">
+            <a:schemeClr val="tx1"/>
+          </a:fontRef>
+        </p:style>
+      </p:cxnSp>
+      <p:cxnSp>
+        <p:nvCxnSpPr>
+          <p:cNvPr id="29" name="Straight Connector 28"/>
+          <p:cNvCxnSpPr/>
+          <p:nvPr/>
+        </p:nvCxnSpPr>
+        <p:spPr>
+          <a:xfrm>
+            <a:off x="1121239" y="4785360"/>
+            <a:ext cx="2095500" cy="0"/>
+          </a:xfrm>
+          <a:prstGeom prst="line">
+            <a:avLst/>
+          </a:prstGeom>
+          <a:ln w="88900">
+            <a:solidFill>
+              <a:schemeClr val="bg1">
+                <a:lumMod val="65000"/>
+              </a:schemeClr>
+            </a:solidFill>
+          </a:ln>
+        </p:spPr>
+        <p:style>
+          <a:lnRef idx="1">
+            <a:schemeClr val="accent1"/>
+          </a:lnRef>
+          <a:fillRef idx="0">
+            <a:schemeClr val="accent1"/>
+          </a:fillRef>
+          <a:effectRef idx="0">
+            <a:schemeClr val="accent1"/>
+          </a:effectRef>
+          <a:fontRef idx="minor">
+            <a:schemeClr val="tx1"/>
+          </a:fontRef>
+        </p:style>
+      </p:cxnSp>
+      <p:cxnSp>
+        <p:nvCxnSpPr>
+          <p:cNvPr id="30" name="Straight Connector 29"/>
+          <p:cNvCxnSpPr/>
+          <p:nvPr/>
+        </p:nvCxnSpPr>
+        <p:spPr>
+          <a:xfrm>
+            <a:off x="1121239" y="4945380"/>
+            <a:ext cx="2095500" cy="0"/>
+          </a:xfrm>
+          <a:prstGeom prst="line">
+            <a:avLst/>
+          </a:prstGeom>
+          <a:ln w="88900">
+            <a:solidFill>
+              <a:schemeClr val="bg1">
+                <a:lumMod val="65000"/>
+              </a:schemeClr>
+            </a:solidFill>
+          </a:ln>
+        </p:spPr>
+        <p:style>
+          <a:lnRef idx="1">
+            <a:schemeClr val="accent1"/>
+          </a:lnRef>
+          <a:fillRef idx="0">
+            <a:schemeClr val="accent1"/>
+          </a:fillRef>
+          <a:effectRef idx="0">
+            <a:schemeClr val="accent1"/>
+          </a:effectRef>
+          <a:fontRef idx="minor">
+            <a:schemeClr val="tx1"/>
+          </a:fontRef>
+        </p:style>
+      </p:cxnSp>
+      <p:cxnSp>
+        <p:nvCxnSpPr>
+          <p:cNvPr id="31" name="Straight Connector 30"/>
+          <p:cNvCxnSpPr/>
+          <p:nvPr/>
+        </p:nvCxnSpPr>
+        <p:spPr>
+          <a:xfrm>
+            <a:off x="1121239" y="5120640"/>
+            <a:ext cx="2095500" cy="0"/>
+          </a:xfrm>
+          <a:prstGeom prst="line">
+            <a:avLst/>
+          </a:prstGeom>
+          <a:ln w="88900">
+            <a:solidFill>
+              <a:schemeClr val="bg1">
+                <a:lumMod val="65000"/>
+              </a:schemeClr>
+            </a:solidFill>
+          </a:ln>
+        </p:spPr>
+        <p:style>
+          <a:lnRef idx="1">
+            <a:schemeClr val="accent1"/>
+          </a:lnRef>
+          <a:fillRef idx="0">
+            <a:schemeClr val="accent1"/>
+          </a:fillRef>
+          <a:effectRef idx="0">
+            <a:schemeClr val="accent1"/>
+          </a:effectRef>
+          <a:fontRef idx="minor">
+            <a:schemeClr val="tx1"/>
+          </a:fontRef>
+        </p:style>
+      </p:cxnSp>
+      <p:cxnSp>
+        <p:nvCxnSpPr>
+          <p:cNvPr id="32" name="Straight Connector 31"/>
+          <p:cNvCxnSpPr/>
+          <p:nvPr/>
+        </p:nvCxnSpPr>
+        <p:spPr>
+          <a:xfrm>
+            <a:off x="1121239" y="5280660"/>
+            <a:ext cx="2095500" cy="0"/>
+          </a:xfrm>
+          <a:prstGeom prst="line">
+            <a:avLst/>
+          </a:prstGeom>
+          <a:ln w="88900">
+            <a:solidFill>
+              <a:schemeClr val="bg1">
+                <a:lumMod val="65000"/>
+              </a:schemeClr>
+            </a:solidFill>
+          </a:ln>
+        </p:spPr>
+        <p:style>
+          <a:lnRef idx="1">
+            <a:schemeClr val="accent1"/>
+          </a:lnRef>
+          <a:fillRef idx="0">
+            <a:schemeClr val="accent1"/>
+          </a:fillRef>
+          <a:effectRef idx="0">
+            <a:schemeClr val="accent1"/>
+          </a:effectRef>
+          <a:fontRef idx="minor">
+            <a:schemeClr val="tx1"/>
+          </a:fontRef>
+        </p:style>
+      </p:cxnSp>
+      <p:cxnSp>
+        <p:nvCxnSpPr>
+          <p:cNvPr id="33" name="Straight Connector 32"/>
+          <p:cNvCxnSpPr/>
+          <p:nvPr/>
+        </p:nvCxnSpPr>
+        <p:spPr>
+          <a:xfrm>
+            <a:off x="1121239" y="5433060"/>
+            <a:ext cx="2095500" cy="0"/>
+          </a:xfrm>
+          <a:prstGeom prst="line">
+            <a:avLst/>
+          </a:prstGeom>
+          <a:ln w="88900">
+            <a:solidFill>
+              <a:schemeClr val="bg1">
+                <a:lumMod val="65000"/>
+              </a:schemeClr>
+            </a:solidFill>
+          </a:ln>
+        </p:spPr>
+        <p:style>
+          <a:lnRef idx="1">
+            <a:schemeClr val="accent1"/>
+          </a:lnRef>
+          <a:fillRef idx="0">
+            <a:schemeClr val="accent1"/>
+          </a:fillRef>
+          <a:effectRef idx="0">
+            <a:schemeClr val="accent1"/>
+          </a:effectRef>
+          <a:fontRef idx="minor">
+            <a:schemeClr val="tx1"/>
+          </a:fontRef>
+        </p:style>
+      </p:cxnSp>
+      <p:cxnSp>
+        <p:nvCxnSpPr>
+          <p:cNvPr id="34" name="Straight Connector 33"/>
+          <p:cNvCxnSpPr/>
+          <p:nvPr/>
+        </p:nvCxnSpPr>
+        <p:spPr>
+          <a:xfrm>
+            <a:off x="1121239" y="5593080"/>
+            <a:ext cx="2095500" cy="0"/>
+          </a:xfrm>
+          <a:prstGeom prst="line">
+            <a:avLst/>
+          </a:prstGeom>
+          <a:ln w="88900">
+            <a:solidFill>
+              <a:schemeClr val="bg1">
+                <a:lumMod val="65000"/>
+              </a:schemeClr>
+            </a:solidFill>
+          </a:ln>
+        </p:spPr>
+        <p:style>
+          <a:lnRef idx="1">
+            <a:schemeClr val="accent1"/>
+          </a:lnRef>
+          <a:fillRef idx="0">
+            <a:schemeClr val="accent1"/>
+          </a:fillRef>
+          <a:effectRef idx="0">
+            <a:schemeClr val="accent1"/>
+          </a:effectRef>
+          <a:fontRef idx="minor">
+            <a:schemeClr val="tx1"/>
+          </a:fontRef>
+        </p:style>
+      </p:cxnSp>
+      <p:cxnSp>
+        <p:nvCxnSpPr>
+          <p:cNvPr id="35" name="Straight Connector 34"/>
+          <p:cNvCxnSpPr/>
+          <p:nvPr/>
+        </p:nvCxnSpPr>
+        <p:spPr>
+          <a:xfrm>
+            <a:off x="1121239" y="5745480"/>
+            <a:ext cx="2095500" cy="0"/>
+          </a:xfrm>
+          <a:prstGeom prst="line">
+            <a:avLst/>
+          </a:prstGeom>
+          <a:ln w="88900">
+            <a:solidFill>
+              <a:schemeClr val="bg1">
+                <a:lumMod val="65000"/>
+              </a:schemeClr>
+            </a:solidFill>
+            <a:prstDash val="sysDash"/>
+          </a:ln>
+        </p:spPr>
+        <p:style>
+          <a:lnRef idx="1">
+            <a:schemeClr val="accent1"/>
+          </a:lnRef>
+          <a:fillRef idx="0">
+            <a:schemeClr val="accent1"/>
+          </a:fillRef>
+          <a:effectRef idx="0">
+            <a:schemeClr val="accent1"/>
+          </a:effectRef>
+          <a:fontRef idx="minor">
+            <a:schemeClr val="tx1"/>
+          </a:fontRef>
+        </p:style>
+      </p:cxnSp>
+      <p:sp>
+        <p:nvSpPr>
+          <p:cNvPr id="42" name="Right Brace 41"/>
+          <p:cNvSpPr/>
+          <p:nvPr/>
+        </p:nvSpPr>
+        <p:spPr>
+          <a:xfrm>
+            <a:off x="3856819" y="1973580"/>
+            <a:ext cx="396240" cy="2011680"/>
+          </a:xfrm>
+          <a:prstGeom prst="rightBrace">
+            <a:avLst/>
+          </a:prstGeom>
+          <a:ln w="88900">
+            <a:solidFill>
+              <a:schemeClr val="bg1">
+                <a:lumMod val="65000"/>
+              </a:schemeClr>
+            </a:solidFill>
+          </a:ln>
+        </p:spPr>
+        <p:style>
+          <a:lnRef idx="1">
+            <a:schemeClr val="accent1"/>
+          </a:lnRef>
+          <a:fillRef idx="0">
+            <a:schemeClr val="accent1"/>
+          </a:fillRef>
+          <a:effectRef idx="0">
+            <a:schemeClr val="accent1"/>
+          </a:effectRef>
+          <a:fontRef idx="minor">
+            <a:schemeClr val="tx1"/>
+          </a:fontRef>
+        </p:style>
+        <p:txBody>
+          <a:bodyPr rtlCol="0" anchor="ctr"/>
+          <a:lstStyle/>
+          <a:p>
+            <a:pPr algn="ctr"/>
+            <a:endParaRPr lang="de-DE"/>
+          </a:p>
+        </p:txBody>
+      </p:sp>
+      <p:sp>
+        <p:nvSpPr>
+          <p:cNvPr id="43" name="Right Arrow 42"/>
+          <p:cNvSpPr/>
+          <p:nvPr/>
+        </p:nvSpPr>
+        <p:spPr>
+          <a:xfrm flipH="1">
+            <a:off x="9691104" y="1404938"/>
+            <a:ext cx="1411204" cy="1612581"/>
+          </a:xfrm>
+          <a:prstGeom prst="rightArrow">
+            <a:avLst/>
+          </a:prstGeom>
+          <a:solidFill>
+            <a:schemeClr val="bg1"/>
+          </a:solidFill>
+          <a:ln w="88900">
+            <a:solidFill>
+              <a:schemeClr val="bg1">
+                <a:lumMod val="65000"/>
+              </a:schemeClr>
+            </a:solidFill>
+          </a:ln>
+        </p:spPr>
+        <p:style>
+          <a:lnRef idx="2">
+            <a:schemeClr val="accent1">
+              <a:shade val="50000"/>
+            </a:schemeClr>
+          </a:lnRef>
+          <a:fillRef idx="1">
+            <a:schemeClr val="accent1"/>
+          </a:fillRef>
+          <a:effectRef idx="0">
+            <a:schemeClr val="accent1"/>
+          </a:effectRef>
+          <a:fontRef idx="minor">
+            <a:schemeClr val="lt1"/>
+          </a:fontRef>
+        </p:style>
+        <p:txBody>
+          <a:bodyPr rtlCol="0" anchor="ctr"/>
+          <a:lstStyle/>
+          <a:p>
+            <a:pPr algn="ctr"/>
+            <a:endParaRPr lang="de-DE"/>
+          </a:p>
+        </p:txBody>
+      </p:sp>
+      <p:sp>
+        <p:nvSpPr>
+          <p:cNvPr id="44" name="Circular Arrow 43"/>
+          <p:cNvSpPr/>
+          <p:nvPr/>
+        </p:nvSpPr>
+        <p:spPr>
+          <a:xfrm>
+            <a:off x="200536" y="293371"/>
+            <a:ext cx="2293620" cy="2324100"/>
+          </a:xfrm>
+          <a:prstGeom prst="circularArrow">
+            <a:avLst/>
+          </a:prstGeom>
+          <a:solidFill>
+            <a:schemeClr val="bg1"/>
+          </a:solidFill>
+          <a:ln w="88900">
+            <a:solidFill>
+              <a:schemeClr val="bg1">
+                <a:lumMod val="65000"/>
+              </a:schemeClr>
+            </a:solidFill>
+          </a:ln>
+        </p:spPr>
+        <p:style>
+          <a:lnRef idx="2">
+            <a:schemeClr val="accent1">
+              <a:shade val="50000"/>
+            </a:schemeClr>
+          </a:lnRef>
+          <a:fillRef idx="1">
+            <a:schemeClr val="accent1"/>
+          </a:fillRef>
+          <a:effectRef idx="0">
+            <a:schemeClr val="accent1"/>
+          </a:effectRef>
+          <a:fontRef idx="minor">
+            <a:schemeClr val="lt1"/>
+          </a:fontRef>
+        </p:style>
+        <p:txBody>
+          <a:bodyPr rtlCol="0" anchor="ctr"/>
+          <a:lstStyle/>
+          <a:p>
+            <a:pPr algn="ctr"/>
+            <a:endParaRPr lang="de-DE">
+              <a:solidFill>
+                <a:schemeClr val="tx1"/>
+              </a:solidFill>
+            </a:endParaRPr>
+          </a:p>
+        </p:txBody>
+      </p:sp>
+      <p:sp>
+        <p:nvSpPr>
+          <p:cNvPr id="46" name="Rectangle 45"/>
+          <p:cNvSpPr/>
+          <p:nvPr/>
+        </p:nvSpPr>
+        <p:spPr>
+          <a:xfrm>
+            <a:off x="11254740" y="1790699"/>
+            <a:ext cx="239072" cy="826772"/>
+          </a:xfrm>
+          <a:prstGeom prst="rect">
+            <a:avLst/>
+          </a:prstGeom>
+          <a:solidFill>
+            <a:schemeClr val="bg1"/>
+          </a:solidFill>
+          <a:ln w="88900">
+            <a:solidFill>
+              <a:schemeClr val="bg1">
+                <a:lumMod val="65000"/>
+              </a:schemeClr>
+            </a:solidFill>
+            <a:miter lim="800000"/>
+          </a:ln>
+        </p:spPr>
+        <p:style>
+          <a:lnRef idx="2">
+            <a:schemeClr val="accent1">
+              <a:shade val="50000"/>
+            </a:schemeClr>
+          </a:lnRef>
+          <a:fillRef idx="1">
+            <a:schemeClr val="accent1"/>
+          </a:fillRef>
+          <a:effectRef idx="0">
+            <a:schemeClr val="accent1"/>
+          </a:effectRef>
+          <a:fontRef idx="minor">
+            <a:schemeClr val="lt1"/>
+          </a:fontRef>
+        </p:style>
+        <p:txBody>
+          <a:bodyPr rtlCol="0" anchor="ctr"/>
+          <a:lstStyle/>
+          <a:p>
+            <a:pPr algn="ctr"/>
+            <a:endParaRPr lang="de-DE"/>
+          </a:p>
+        </p:txBody>
+      </p:sp>
+      <p:sp>
+        <p:nvSpPr>
+          <p:cNvPr id="47" name="Rectangle 46"/>
+          <p:cNvSpPr/>
+          <p:nvPr/>
+        </p:nvSpPr>
+        <p:spPr>
+          <a:xfrm>
+            <a:off x="11618084" y="1797841"/>
+            <a:ext cx="142428" cy="826772"/>
+          </a:xfrm>
+          <a:prstGeom prst="rect">
+            <a:avLst/>
+          </a:prstGeom>
+          <a:solidFill>
+            <a:schemeClr val="bg1"/>
+          </a:solidFill>
+          <a:ln w="88900">
+            <a:solidFill>
+              <a:schemeClr val="bg1">
+                <a:lumMod val="65000"/>
+              </a:schemeClr>
+            </a:solidFill>
+            <a:miter lim="800000"/>
+          </a:ln>
+        </p:spPr>
+        <p:style>
+          <a:lnRef idx="2">
+            <a:schemeClr val="accent1">
+              <a:shade val="50000"/>
+            </a:schemeClr>
+          </a:lnRef>
+          <a:fillRef idx="1">
+            <a:schemeClr val="accent1"/>
+          </a:fillRef>
+          <a:effectRef idx="0">
+            <a:schemeClr val="accent1"/>
+          </a:effectRef>
+          <a:fontRef idx="minor">
+            <a:schemeClr val="lt1"/>
+          </a:fontRef>
+        </p:style>
+        <p:txBody>
+          <a:bodyPr rtlCol="0" anchor="ctr"/>
+          <a:lstStyle/>
+          <a:p>
+            <a:pPr algn="ctr"/>
+            <a:endParaRPr lang="de-DE"/>
+          </a:p>
+        </p:txBody>
+      </p:sp>
+    </p:spTree>
+    <p:extLst>
+      <p:ext uri="{BB962C8B-B14F-4D97-AF65-F5344CB8AC3E}">
+        <p14:creationId xmlns:p14="http://schemas.microsoft.com/office/powerpoint/2010/main" val="3265735396"/>
       </p:ext>
     </p:extLst>
   </p:cSld>
